--- a/chapter14/ASE_14_Quality_of_SWE.pptx
+++ b/chapter14/ASE_14_Quality_of_SWE.pptx
@@ -5,7 +5,7 @@
     <p:sldMasterId id="2147483684" r:id="rId4"/>
   </p:sldMasterIdLst>
   <p:notesMasterIdLst>
-    <p:notesMasterId r:id="rId37"/>
+    <p:notesMasterId r:id="rId41"/>
   </p:notesMasterIdLst>
   <p:sldIdLst>
     <p:sldId id="256" r:id="rId5"/>
@@ -39,7 +39,11 @@
     <p:sldId id="282" r:id="rId33"/>
     <p:sldId id="293" r:id="rId34"/>
     <p:sldId id="294" r:id="rId35"/>
-    <p:sldId id="309" r:id="rId36"/>
+    <p:sldId id="310" r:id="rId36"/>
+    <p:sldId id="311" r:id="rId37"/>
+    <p:sldId id="312" r:id="rId38"/>
+    <p:sldId id="313" r:id="rId39"/>
+    <p:sldId id="309" r:id="rId40"/>
   </p:sldIdLst>
   <p:sldSz cx="12192000" cy="6858000"/>
   <p:notesSz cx="6858000" cy="9144000"/>
@@ -157,20 +161,12 @@
 </p:presentation>
 </file>
 
-<file path=ppt/revisionInfo.xml><?xml version="1.0" encoding="utf-8"?>
-<p1510:revInfo xmlns:a="http://schemas.openxmlformats.org/drawingml/2006/main" xmlns:r="http://schemas.openxmlformats.org/officeDocument/2006/relationships" xmlns:p1510="http://schemas.microsoft.com/office/powerpoint/2015/10/main">
-  <p1510:revLst>
-    <p1510:client id="{CD2C1F0B-44A1-4EE0-A9A4-DAABCBE61858}" v="2171" dt="2018-10-08T00:50:05.245"/>
-  </p1510:revLst>
-</p1510:revInfo>
-</file>
-
 <file path=ppt/changesInfos/changesInfo1.xml><?xml version="1.0" encoding="utf-8"?>
 <pc:chgInfo xmlns:a="http://schemas.openxmlformats.org/drawingml/2006/main" xmlns:r="http://schemas.openxmlformats.org/officeDocument/2006/relationships" xmlns:ac="http://schemas.microsoft.com/office/drawing/2013/main/command" xmlns:pc="http://schemas.microsoft.com/office/powerpoint/2013/main/command">
   <pc:docChgLst>
     <pc:chgData name="Xin Zou" userId="260b9726081dae15" providerId="LiveId" clId="{CD2C1F0B-44A1-4EE0-A9A4-DAABCBE61858}"/>
-    <pc:docChg chg="custSel mod addSld delSld modSld modMainMaster">
-      <pc:chgData name="Xin Zou" userId="260b9726081dae15" providerId="LiveId" clId="{CD2C1F0B-44A1-4EE0-A9A4-DAABCBE61858}" dt="2018-10-08T00:50:30.255" v="4104" actId="26606"/>
+    <pc:docChg chg="undo custSel mod addSld delSld modSld modMainMaster">
+      <pc:chgData name="Xin Zou" userId="260b9726081dae15" providerId="LiveId" clId="{CD2C1F0B-44A1-4EE0-A9A4-DAABCBE61858}" dt="2018-10-08T21:52:57.758" v="4404" actId="20577"/>
       <pc:docMkLst>
         <pc:docMk/>
       </pc:docMkLst>
@@ -856,6 +852,106 @@
           <pc:sldMk cId="2535163443" sldId="309"/>
         </pc:sldMkLst>
       </pc:sldChg>
+      <pc:sldChg chg="addSp modSp add">
+        <pc:chgData name="Xin Zou" userId="260b9726081dae15" providerId="LiveId" clId="{CD2C1F0B-44A1-4EE0-A9A4-DAABCBE61858}" dt="2018-10-08T20:58:03.481" v="4190"/>
+        <pc:sldMkLst>
+          <pc:docMk/>
+          <pc:sldMk cId="1101824339" sldId="310"/>
+        </pc:sldMkLst>
+        <pc:spChg chg="mod">
+          <ac:chgData name="Xin Zou" userId="260b9726081dae15" providerId="LiveId" clId="{CD2C1F0B-44A1-4EE0-A9A4-DAABCBE61858}" dt="2018-10-08T20:58:03.481" v="4190"/>
+          <ac:spMkLst>
+            <pc:docMk/>
+            <pc:sldMk cId="1101824339" sldId="310"/>
+            <ac:spMk id="2" creationId="{A237A3B6-10D0-4FA7-8B78-9DF91DE112BE}"/>
+          </ac:spMkLst>
+        </pc:spChg>
+        <pc:spChg chg="add mod">
+          <ac:chgData name="Xin Zou" userId="260b9726081dae15" providerId="LiveId" clId="{CD2C1F0B-44A1-4EE0-A9A4-DAABCBE61858}" dt="2018-10-08T20:57:28.969" v="4107" actId="14100"/>
+          <ac:spMkLst>
+            <pc:docMk/>
+            <pc:sldMk cId="1101824339" sldId="310"/>
+            <ac:spMk id="3" creationId="{397AB9B0-1AE6-4271-AA7A-921FD50C3DE8}"/>
+          </ac:spMkLst>
+        </pc:spChg>
+      </pc:sldChg>
+      <pc:sldChg chg="addSp modSp add">
+        <pc:chgData name="Xin Zou" userId="260b9726081dae15" providerId="LiveId" clId="{CD2C1F0B-44A1-4EE0-A9A4-DAABCBE61858}" dt="2018-10-08T21:04:13.220" v="4282" actId="404"/>
+        <pc:sldMkLst>
+          <pc:docMk/>
+          <pc:sldMk cId="3157467698" sldId="311"/>
+        </pc:sldMkLst>
+        <pc:spChg chg="mod">
+          <ac:chgData name="Xin Zou" userId="260b9726081dae15" providerId="LiveId" clId="{CD2C1F0B-44A1-4EE0-A9A4-DAABCBE61858}" dt="2018-10-08T20:58:10.497" v="4200"/>
+          <ac:spMkLst>
+            <pc:docMk/>
+            <pc:sldMk cId="3157467698" sldId="311"/>
+            <ac:spMk id="2" creationId="{6196BBCF-D597-4EB3-ADA6-12E7B647833A}"/>
+          </ac:spMkLst>
+        </pc:spChg>
+        <pc:spChg chg="add mod">
+          <ac:chgData name="Xin Zou" userId="260b9726081dae15" providerId="LiveId" clId="{CD2C1F0B-44A1-4EE0-A9A4-DAABCBE61858}" dt="2018-10-08T21:04:13.220" v="4282" actId="404"/>
+          <ac:spMkLst>
+            <pc:docMk/>
+            <pc:sldMk cId="3157467698" sldId="311"/>
+            <ac:spMk id="3" creationId="{A069E756-950A-4BE8-B0A1-AEC5F7261758}"/>
+          </ac:spMkLst>
+        </pc:spChg>
+        <pc:picChg chg="add mod">
+          <ac:chgData name="Xin Zou" userId="260b9726081dae15" providerId="LiveId" clId="{CD2C1F0B-44A1-4EE0-A9A4-DAABCBE61858}" dt="2018-10-08T21:03:49.997" v="4280" actId="14100"/>
+          <ac:picMkLst>
+            <pc:docMk/>
+            <pc:sldMk cId="3157467698" sldId="311"/>
+            <ac:picMk id="4" creationId="{F25FD6C3-D603-4D0E-8D80-FA28D57D496E}"/>
+          </ac:picMkLst>
+        </pc:picChg>
+      </pc:sldChg>
+      <pc:sldChg chg="addSp modSp add">
+        <pc:chgData name="Xin Zou" userId="260b9726081dae15" providerId="LiveId" clId="{CD2C1F0B-44A1-4EE0-A9A4-DAABCBE61858}" dt="2018-10-08T21:01:38.479" v="4262" actId="20577"/>
+        <pc:sldMkLst>
+          <pc:docMk/>
+          <pc:sldMk cId="2709888784" sldId="312"/>
+        </pc:sldMkLst>
+        <pc:spChg chg="mod">
+          <ac:chgData name="Xin Zou" userId="260b9726081dae15" providerId="LiveId" clId="{CD2C1F0B-44A1-4EE0-A9A4-DAABCBE61858}" dt="2018-10-08T21:00:38.663" v="4250"/>
+          <ac:spMkLst>
+            <pc:docMk/>
+            <pc:sldMk cId="2709888784" sldId="312"/>
+            <ac:spMk id="2" creationId="{736BCFA2-56D0-4A83-9417-4E72101680CE}"/>
+          </ac:spMkLst>
+        </pc:spChg>
+        <pc:spChg chg="add mod">
+          <ac:chgData name="Xin Zou" userId="260b9726081dae15" providerId="LiveId" clId="{CD2C1F0B-44A1-4EE0-A9A4-DAABCBE61858}" dt="2018-10-08T21:01:38.479" v="4262" actId="20577"/>
+          <ac:spMkLst>
+            <pc:docMk/>
+            <pc:sldMk cId="2709888784" sldId="312"/>
+            <ac:spMk id="3" creationId="{3D40BC5F-469A-4A34-874A-5DEB547301B0}"/>
+          </ac:spMkLst>
+        </pc:spChg>
+      </pc:sldChg>
+      <pc:sldChg chg="addSp modSp add">
+        <pc:chgData name="Xin Zou" userId="260b9726081dae15" providerId="LiveId" clId="{CD2C1F0B-44A1-4EE0-A9A4-DAABCBE61858}" dt="2018-10-08T21:52:57.758" v="4404" actId="20577"/>
+        <pc:sldMkLst>
+          <pc:docMk/>
+          <pc:sldMk cId="1937573180" sldId="313"/>
+        </pc:sldMkLst>
+        <pc:spChg chg="mod">
+          <ac:chgData name="Xin Zou" userId="260b9726081dae15" providerId="LiveId" clId="{CD2C1F0B-44A1-4EE0-A9A4-DAABCBE61858}" dt="2018-10-08T21:51:54.499" v="4304"/>
+          <ac:spMkLst>
+            <pc:docMk/>
+            <pc:sldMk cId="1937573180" sldId="313"/>
+            <ac:spMk id="2" creationId="{5F7D260E-D0B1-44D5-BE5C-3E4D9AC1DCF8}"/>
+          </ac:spMkLst>
+        </pc:spChg>
+        <pc:spChg chg="add mod">
+          <ac:chgData name="Xin Zou" userId="260b9726081dae15" providerId="LiveId" clId="{CD2C1F0B-44A1-4EE0-A9A4-DAABCBE61858}" dt="2018-10-08T21:52:57.758" v="4404" actId="20577"/>
+          <ac:spMkLst>
+            <pc:docMk/>
+            <pc:sldMk cId="1937573180" sldId="313"/>
+            <ac:spMk id="3" creationId="{56732DA4-A750-4659-92AE-4E3E74EC3080}"/>
+          </ac:spMkLst>
+        </pc:spChg>
+      </pc:sldChg>
       <pc:sldMasterChg chg="modSp modSldLayout">
         <pc:chgData name="Xin Zou" userId="260b9726081dae15" providerId="LiveId" clId="{CD2C1F0B-44A1-4EE0-A9A4-DAABCBE61858}" dt="2018-10-07T06:54:44.156" v="0"/>
         <pc:sldMasterMkLst>
@@ -1280,6 +1376,84 @@
           </pc:spChg>
         </pc:sldLayoutChg>
       </pc:sldMasterChg>
+    </pc:docChg>
+  </pc:docChgLst>
+  <pc:docChgLst>
+    <pc:chgData name="Xin Zou" userId="260b9726081dae15" providerId="LiveId" clId="{6F68B3C8-9AC0-4D10-B9DD-CEE5CD47962B}"/>
+    <pc:docChg chg="custSel modSld">
+      <pc:chgData name="Xin Zou" userId="260b9726081dae15" providerId="LiveId" clId="{6F68B3C8-9AC0-4D10-B9DD-CEE5CD47962B}" dt="2018-11-29T01:57:24.515" v="9" actId="20577"/>
+      <pc:docMkLst>
+        <pc:docMk/>
+      </pc:docMkLst>
+      <pc:sldChg chg="modSp">
+        <pc:chgData name="Xin Zou" userId="260b9726081dae15" providerId="LiveId" clId="{6F68B3C8-9AC0-4D10-B9DD-CEE5CD47962B}" dt="2018-11-29T01:56:17.282" v="1" actId="27636"/>
+        <pc:sldMkLst>
+          <pc:docMk/>
+          <pc:sldMk cId="1635746704" sldId="267"/>
+        </pc:sldMkLst>
+        <pc:spChg chg="mod">
+          <ac:chgData name="Xin Zou" userId="260b9726081dae15" providerId="LiveId" clId="{6F68B3C8-9AC0-4D10-B9DD-CEE5CD47962B}" dt="2018-11-29T01:56:17.282" v="1" actId="27636"/>
+          <ac:spMkLst>
+            <pc:docMk/>
+            <pc:sldMk cId="1635746704" sldId="267"/>
+            <ac:spMk id="3" creationId="{00000000-0000-0000-0000-000000000000}"/>
+          </ac:spMkLst>
+        </pc:spChg>
+      </pc:sldChg>
+      <pc:sldChg chg="modSp">
+        <pc:chgData name="Xin Zou" userId="260b9726081dae15" providerId="LiveId" clId="{6F68B3C8-9AC0-4D10-B9DD-CEE5CD47962B}" dt="2018-11-29T01:56:58.913" v="2" actId="14100"/>
+        <pc:sldMkLst>
+          <pc:docMk/>
+          <pc:sldMk cId="2709888784" sldId="312"/>
+        </pc:sldMkLst>
+        <pc:spChg chg="mod">
+          <ac:chgData name="Xin Zou" userId="260b9726081dae15" providerId="LiveId" clId="{6F68B3C8-9AC0-4D10-B9DD-CEE5CD47962B}" dt="2018-11-29T01:56:58.913" v="2" actId="14100"/>
+          <ac:spMkLst>
+            <pc:docMk/>
+            <pc:sldMk cId="2709888784" sldId="312"/>
+            <ac:spMk id="3" creationId="{3D40BC5F-469A-4A34-874A-5DEB547301B0}"/>
+          </ac:spMkLst>
+        </pc:spChg>
+      </pc:sldChg>
+      <pc:sldChg chg="modSp">
+        <pc:chgData name="Xin Zou" userId="260b9726081dae15" providerId="LiveId" clId="{6F68B3C8-9AC0-4D10-B9DD-CEE5CD47962B}" dt="2018-11-29T01:57:24.515" v="9" actId="20577"/>
+        <pc:sldMkLst>
+          <pc:docMk/>
+          <pc:sldMk cId="1937573180" sldId="313"/>
+        </pc:sldMkLst>
+        <pc:spChg chg="mod">
+          <ac:chgData name="Xin Zou" userId="260b9726081dae15" providerId="LiveId" clId="{6F68B3C8-9AC0-4D10-B9DD-CEE5CD47962B}" dt="2018-11-29T01:57:24.515" v="9" actId="20577"/>
+          <ac:spMkLst>
+            <pc:docMk/>
+            <pc:sldMk cId="1937573180" sldId="313"/>
+            <ac:spMk id="3" creationId="{56732DA4-A750-4659-92AE-4E3E74EC3080}"/>
+          </ac:spMkLst>
+        </pc:spChg>
+      </pc:sldChg>
+    </pc:docChg>
+  </pc:docChgLst>
+  <pc:docChgLst>
+    <pc:chgData name="Xin Zou" userId="260b9726081dae15" providerId="LiveId" clId="{810CAE31-4E14-4DD0-86EF-F1FF1129690F}"/>
+    <pc:docChg chg="custSel modSld">
+      <pc:chgData name="Xin Zou" userId="260b9726081dae15" providerId="LiveId" clId="{810CAE31-4E14-4DD0-86EF-F1FF1129690F}" dt="2019-09-04T07:53:02.525" v="2" actId="27636"/>
+      <pc:docMkLst>
+        <pc:docMk/>
+      </pc:docMkLst>
+      <pc:sldChg chg="modSp">
+        <pc:chgData name="Xin Zou" userId="260b9726081dae15" providerId="LiveId" clId="{810CAE31-4E14-4DD0-86EF-F1FF1129690F}" dt="2019-09-04T07:53:02.525" v="2" actId="27636"/>
+        <pc:sldMkLst>
+          <pc:docMk/>
+          <pc:sldMk cId="4287330810" sldId="285"/>
+        </pc:sldMkLst>
+        <pc:spChg chg="mod">
+          <ac:chgData name="Xin Zou" userId="260b9726081dae15" providerId="LiveId" clId="{810CAE31-4E14-4DD0-86EF-F1FF1129690F}" dt="2019-09-04T07:53:02.525" v="2" actId="27636"/>
+          <ac:spMkLst>
+            <pc:docMk/>
+            <pc:sldMk cId="4287330810" sldId="285"/>
+            <ac:spMk id="3" creationId="{A566EDF2-11ED-4F9B-A98E-1CAA103D0918}"/>
+          </ac:spMkLst>
+        </pc:spChg>
+      </pc:sldChg>
     </pc:docChg>
   </pc:docChgLst>
 </pc:chgInfo>
@@ -5285,7 +5459,7 @@
           <a:p>
             <a:fld id="{D936C36B-0FF0-48C8-A5FE-A8F1A0E43C02}" type="datetimeFigureOut">
               <a:rPr lang="en-US" smtClean="0"/>
-              <a:t>10/6/2018</a:t>
+              <a:t>9/4/2019</a:t>
             </a:fld>
             <a:endParaRPr lang="en-US"/>
           </a:p>
@@ -6664,7 +6838,7 @@
           <a:p>
             <a:fld id="{48A87A34-81AB-432B-8DAE-1953F412C126}" type="datetimeFigureOut">
               <a:rPr lang="en-US" smtClean="0"/>
-              <a:t>10/6/2018</a:t>
+              <a:t>9/4/2019</a:t>
             </a:fld>
             <a:endParaRPr lang="en-US" dirty="0"/>
           </a:p>
@@ -6946,7 +7120,7 @@
             <a:fld id="{48A87A34-81AB-432B-8DAE-1953F412C126}" type="datetimeFigureOut">
               <a:rPr lang="en-US" smtClean="0"/>
               <a:pPr/>
-              <a:t>10/6/2018</a:t>
+              <a:t>9/4/2019</a:t>
             </a:fld>
             <a:endParaRPr lang="en-US" dirty="0"/>
           </a:p>
@@ -7140,7 +7314,7 @@
             <a:fld id="{48A87A34-81AB-432B-8DAE-1953F412C126}" type="datetimeFigureOut">
               <a:rPr lang="en-US" smtClean="0"/>
               <a:pPr/>
-              <a:t>10/6/2018</a:t>
+              <a:t>9/4/2019</a:t>
             </a:fld>
             <a:endParaRPr lang="en-US" dirty="0"/>
           </a:p>
@@ -7403,7 +7577,7 @@
             <a:fld id="{48A87A34-81AB-432B-8DAE-1953F412C126}" type="datetimeFigureOut">
               <a:rPr lang="en-US" smtClean="0"/>
               <a:pPr/>
-              <a:t>10/6/2018</a:t>
+              <a:t>9/4/2019</a:t>
             </a:fld>
             <a:endParaRPr lang="en-US" dirty="0"/>
           </a:p>
@@ -7831,7 +8005,7 @@
             <a:fld id="{48A87A34-81AB-432B-8DAE-1953F412C126}" type="datetimeFigureOut">
               <a:rPr lang="en-US" smtClean="0"/>
               <a:pPr/>
-              <a:t>10/6/2018</a:t>
+              <a:t>9/4/2019</a:t>
             </a:fld>
             <a:endParaRPr lang="en-US" dirty="0"/>
           </a:p>
@@ -8379,7 +8553,7 @@
             <a:fld id="{48A87A34-81AB-432B-8DAE-1953F412C126}" type="datetimeFigureOut">
               <a:rPr lang="en-US" smtClean="0"/>
               <a:pPr/>
-              <a:t>10/6/2018</a:t>
+              <a:t>9/4/2019</a:t>
             </a:fld>
             <a:endParaRPr lang="en-US" dirty="0"/>
           </a:p>
@@ -9212,7 +9386,7 @@
             <a:fld id="{48A87A34-81AB-432B-8DAE-1953F412C126}" type="datetimeFigureOut">
               <a:rPr lang="en-US" smtClean="0"/>
               <a:pPr/>
-              <a:t>10/6/2018</a:t>
+              <a:t>9/4/2019</a:t>
             </a:fld>
             <a:endParaRPr lang="en-US" dirty="0"/>
           </a:p>
@@ -9383,7 +9557,7 @@
           <a:p>
             <a:fld id="{48A87A34-81AB-432B-8DAE-1953F412C126}" type="datetimeFigureOut">
               <a:rPr lang="en-US" smtClean="0"/>
-              <a:t>10/6/2018</a:t>
+              <a:t>9/4/2019</a:t>
             </a:fld>
             <a:endParaRPr lang="en-US" dirty="0"/>
           </a:p>
@@ -9563,7 +9737,7 @@
           <a:p>
             <a:fld id="{48A87A34-81AB-432B-8DAE-1953F412C126}" type="datetimeFigureOut">
               <a:rPr lang="en-US" smtClean="0"/>
-              <a:t>10/6/2018</a:t>
+              <a:t>9/4/2019</a:t>
             </a:fld>
             <a:endParaRPr lang="en-US" dirty="0"/>
           </a:p>
@@ -9733,7 +9907,7 @@
           <a:p>
             <a:fld id="{48A87A34-81AB-432B-8DAE-1953F412C126}" type="datetimeFigureOut">
               <a:rPr lang="en-US" smtClean="0"/>
-              <a:t>10/6/2018</a:t>
+              <a:t>9/4/2019</a:t>
             </a:fld>
             <a:endParaRPr lang="en-US" dirty="0"/>
           </a:p>
@@ -9990,7 +10164,7 @@
           <a:p>
             <a:fld id="{48A87A34-81AB-432B-8DAE-1953F412C126}" type="datetimeFigureOut">
               <a:rPr lang="en-US" smtClean="0"/>
-              <a:t>10/6/2018</a:t>
+              <a:t>9/4/2019</a:t>
             </a:fld>
             <a:endParaRPr lang="en-US" dirty="0"/>
           </a:p>
@@ -10222,7 +10396,7 @@
           <a:p>
             <a:fld id="{48A87A34-81AB-432B-8DAE-1953F412C126}" type="datetimeFigureOut">
               <a:rPr lang="en-US" smtClean="0"/>
-              <a:t>10/6/2018</a:t>
+              <a:t>9/4/2019</a:t>
             </a:fld>
             <a:endParaRPr lang="en-US" dirty="0"/>
           </a:p>
@@ -10615,7 +10789,7 @@
           <a:p>
             <a:fld id="{48A87A34-81AB-432B-8DAE-1953F412C126}" type="datetimeFigureOut">
               <a:rPr lang="en-US" smtClean="0"/>
-              <a:t>10/6/2018</a:t>
+              <a:t>9/4/2019</a:t>
             </a:fld>
             <a:endParaRPr lang="en-US" dirty="0"/>
           </a:p>
@@ -10733,7 +10907,7 @@
           <a:p>
             <a:fld id="{48A87A34-81AB-432B-8DAE-1953F412C126}" type="datetimeFigureOut">
               <a:rPr lang="en-US" smtClean="0"/>
-              <a:t>10/6/2018</a:t>
+              <a:t>9/4/2019</a:t>
             </a:fld>
             <a:endParaRPr lang="en-US" dirty="0"/>
           </a:p>
@@ -10828,7 +11002,7 @@
           <a:p>
             <a:fld id="{48A87A34-81AB-432B-8DAE-1953F412C126}" type="datetimeFigureOut">
               <a:rPr lang="en-US" smtClean="0"/>
-              <a:t>10/6/2018</a:t>
+              <a:t>9/4/2019</a:t>
             </a:fld>
             <a:endParaRPr lang="en-US" dirty="0"/>
           </a:p>
@@ -11101,7 +11275,7 @@
           <a:p>
             <a:fld id="{48A87A34-81AB-432B-8DAE-1953F412C126}" type="datetimeFigureOut">
               <a:rPr lang="en-US" smtClean="0"/>
-              <a:t>10/6/2018</a:t>
+              <a:t>9/4/2019</a:t>
             </a:fld>
             <a:endParaRPr lang="en-US" dirty="0"/>
           </a:p>
@@ -11382,7 +11556,7 @@
           <a:p>
             <a:fld id="{48A87A34-81AB-432B-8DAE-1953F412C126}" type="datetimeFigureOut">
               <a:rPr lang="en-US" smtClean="0"/>
-              <a:t>10/6/2018</a:t>
+              <a:t>9/4/2019</a:t>
             </a:fld>
             <a:endParaRPr lang="en-US" dirty="0"/>
           </a:p>
@@ -11623,7 +11797,7 @@
             <a:fld id="{48A87A34-81AB-432B-8DAE-1953F412C126}" type="datetimeFigureOut">
               <a:rPr lang="en-US" smtClean="0"/>
               <a:pPr/>
-              <a:t>10/6/2018</a:t>
+              <a:t>9/4/2019</a:t>
             </a:fld>
             <a:endParaRPr lang="en-US" dirty="0"/>
           </a:p>
@@ -13172,10 +13346,15 @@
         <p:spPr/>
         <p:txBody>
           <a:bodyPr>
-            <a:normAutofit fontScale="85000" lnSpcReduction="20000"/>
+            <a:normAutofit fontScale="77500" lnSpcReduction="20000"/>
           </a:bodyPr>
           <a:lstStyle/>
           <a:p>
+            <a:pPr>
+              <a:lnSpc>
+                <a:spcPct val="120000"/>
+              </a:lnSpc>
+            </a:pPr>
             <a:r>
               <a:rPr lang="zh-CN" altLang="en-US" dirty="0"/>
               <a:t>软件是人来做的，软件企业怎么培养，管理人呢？把他们当作打印机</a:t>
@@ -18799,6 +18978,946 @@
       </p:grpSpPr>
       <p:sp>
         <p:nvSpPr>
+          <p:cNvPr id="2" name="Title 1">
+            <a:extLst>
+              <a:ext uri="{FF2B5EF4-FFF2-40B4-BE49-F238E27FC236}">
+                <a16:creationId xmlns:a16="http://schemas.microsoft.com/office/drawing/2014/main" id="{A237A3B6-10D0-4FA7-8B78-9DF91DE112BE}"/>
+              </a:ext>
+            </a:extLst>
+          </p:cNvPr>
+          <p:cNvSpPr>
+            <a:spLocks noGrp="1"/>
+          </p:cNvSpPr>
+          <p:nvPr>
+            <p:ph type="title"/>
+          </p:nvPr>
+        </p:nvSpPr>
+        <p:spPr/>
+        <p:txBody>
+          <a:bodyPr/>
+          <a:lstStyle/>
+          <a:p>
+            <a:r>
+              <a:rPr lang="zh-CN" altLang="en-US" dirty="0"/>
+              <a:t>让用户来替代测试，行么？</a:t>
+            </a:r>
+            <a:endParaRPr lang="en-US" dirty="0"/>
+          </a:p>
+        </p:txBody>
+      </p:sp>
+      <p:sp>
+        <p:nvSpPr>
+          <p:cNvPr id="3" name="Rectangle 2">
+            <a:extLst>
+              <a:ext uri="{FF2B5EF4-FFF2-40B4-BE49-F238E27FC236}">
+                <a16:creationId xmlns:a16="http://schemas.microsoft.com/office/drawing/2014/main" id="{397AB9B0-1AE6-4271-AA7A-921FD50C3DE8}"/>
+              </a:ext>
+            </a:extLst>
+          </p:cNvPr>
+          <p:cNvSpPr/>
+          <p:nvPr/>
+        </p:nvSpPr>
+        <p:spPr>
+          <a:xfrm>
+            <a:off x="838200" y="1997839"/>
+            <a:ext cx="8305800" cy="2031325"/>
+          </a:xfrm>
+          <a:prstGeom prst="rect">
+            <a:avLst/>
+          </a:prstGeom>
+        </p:spPr>
+        <p:txBody>
+          <a:bodyPr wrap="square">
+            <a:spAutoFit/>
+          </a:bodyPr>
+          <a:lstStyle/>
+          <a:p>
+            <a:r>
+              <a:rPr lang="en-US" dirty="0" err="1"/>
+              <a:t>我听说有一个大型团队开发客户端软件，他们进行了改革，去掉了测试</a:t>
+            </a:r>
+            <a:r>
+              <a:rPr lang="en-US" dirty="0"/>
+              <a:t> （</a:t>
+            </a:r>
+            <a:r>
+              <a:rPr lang="en-US" dirty="0" err="1"/>
+              <a:t>Test）这个角色</a:t>
+            </a:r>
+            <a:r>
+              <a:rPr lang="en-US" dirty="0"/>
+              <a:t>, </a:t>
+            </a:r>
+            <a:r>
+              <a:rPr lang="en-US" dirty="0" err="1"/>
+              <a:t>原来测</a:t>
+            </a:r>
+            <a:r>
+              <a:rPr lang="en-US" dirty="0"/>
+              <a:t> </a:t>
+            </a:r>
+            <a:r>
+              <a:rPr lang="en-US" dirty="0" err="1"/>
+              <a:t>试的人员或者离职，或者做收集用户数据的工作。领导设计了下面的“更好的计划</a:t>
+            </a:r>
+            <a:r>
+              <a:rPr lang="en-US" dirty="0"/>
+              <a:t>”：</a:t>
+            </a:r>
+          </a:p>
+          <a:p>
+            <a:r>
+              <a:rPr lang="en-US" dirty="0"/>
+              <a:t>	</a:t>
+            </a:r>
+            <a:r>
+              <a:rPr lang="en-US" dirty="0" err="1"/>
+              <a:t>所有开发人员都做测试</a:t>
+            </a:r>
+            <a:r>
+              <a:rPr lang="en-US" dirty="0"/>
+              <a:t>	</a:t>
+            </a:r>
+            <a:r>
+              <a:rPr lang="en-US" dirty="0" err="1"/>
+              <a:t>一个新功能从开发的各个发布圈子到外部，有严格的使用时间</a:t>
+            </a:r>
+            <a:r>
+              <a:rPr lang="en-US" dirty="0"/>
+              <a:t>/bug </a:t>
+            </a:r>
+            <a:r>
+              <a:rPr lang="en-US" dirty="0" err="1"/>
+              <a:t>标准，达不到标准，就不能发</a:t>
+            </a:r>
+            <a:r>
+              <a:rPr lang="en-US" dirty="0"/>
+              <a:t> </a:t>
+            </a:r>
+            <a:r>
+              <a:rPr lang="en-US" dirty="0" err="1"/>
+              <a:t>到下一个版本</a:t>
+            </a:r>
+            <a:r>
+              <a:rPr lang="en-US" dirty="0"/>
+              <a:t>。 	</a:t>
+            </a:r>
+            <a:r>
+              <a:rPr lang="en-US" dirty="0" err="1"/>
+              <a:t>所有的功能都有一个</a:t>
+            </a:r>
+            <a:r>
+              <a:rPr lang="en-US" dirty="0"/>
+              <a:t> “</a:t>
+            </a:r>
+            <a:r>
+              <a:rPr lang="en-US" dirty="0" err="1"/>
+              <a:t>开关</a:t>
+            </a:r>
+            <a:r>
+              <a:rPr lang="en-US" dirty="0"/>
+              <a:t>”，</a:t>
+            </a:r>
+            <a:r>
+              <a:rPr lang="en-US" dirty="0" err="1"/>
+              <a:t>新功能只有在“开</a:t>
+            </a:r>
+            <a:r>
+              <a:rPr lang="en-US" dirty="0"/>
+              <a:t>” </a:t>
+            </a:r>
+            <a:r>
+              <a:rPr lang="en-US" dirty="0" err="1"/>
+              <a:t>的情况下才有。默认一个新功能是“关”的</a:t>
+            </a:r>
+            <a:r>
+              <a:rPr lang="en-US" dirty="0"/>
+              <a:t>， </a:t>
+            </a:r>
+            <a:r>
+              <a:rPr lang="en-US" dirty="0" err="1"/>
+              <a:t>开发一个新的工具去管理这个渐进发布的开关在各级发布圈子的开关情况</a:t>
+            </a:r>
+            <a:r>
+              <a:rPr lang="en-US" dirty="0"/>
+              <a:t>。 </a:t>
+            </a:r>
+          </a:p>
+        </p:txBody>
+      </p:sp>
+    </p:spTree>
+    <p:extLst>
+      <p:ext uri="{BB962C8B-B14F-4D97-AF65-F5344CB8AC3E}">
+        <p14:creationId xmlns:p14="http://schemas.microsoft.com/office/powerpoint/2010/main" val="1101824339"/>
+      </p:ext>
+    </p:extLst>
+  </p:cSld>
+  <p:clrMapOvr>
+    <a:masterClrMapping/>
+  </p:clrMapOvr>
+</p:sld>
+</file>
+
+<file path=ppt/slides/slide33.xml><?xml version="1.0" encoding="utf-8"?>
+<p:sld xmlns:a="http://schemas.openxmlformats.org/drawingml/2006/main" xmlns:r="http://schemas.openxmlformats.org/officeDocument/2006/relationships" xmlns:p="http://schemas.openxmlformats.org/presentationml/2006/main">
+  <p:cSld>
+    <p:spTree>
+      <p:nvGrpSpPr>
+        <p:cNvPr id="1" name=""/>
+        <p:cNvGrpSpPr/>
+        <p:nvPr/>
+      </p:nvGrpSpPr>
+      <p:grpSpPr>
+        <a:xfrm>
+          <a:off x="0" y="0"/>
+          <a:ext cx="0" cy="0"/>
+          <a:chOff x="0" y="0"/>
+          <a:chExt cx="0" cy="0"/>
+        </a:xfrm>
+      </p:grpSpPr>
+      <p:sp>
+        <p:nvSpPr>
+          <p:cNvPr id="2" name="Title 1">
+            <a:extLst>
+              <a:ext uri="{FF2B5EF4-FFF2-40B4-BE49-F238E27FC236}">
+                <a16:creationId xmlns:a16="http://schemas.microsoft.com/office/drawing/2014/main" id="{6196BBCF-D597-4EB3-ADA6-12E7B647833A}"/>
+              </a:ext>
+            </a:extLst>
+          </p:cNvPr>
+          <p:cNvSpPr>
+            <a:spLocks noGrp="1"/>
+          </p:cNvSpPr>
+          <p:nvPr>
+            <p:ph type="title"/>
+          </p:nvPr>
+        </p:nvSpPr>
+        <p:spPr/>
+        <p:txBody>
+          <a:bodyPr/>
+          <a:lstStyle/>
+          <a:p>
+            <a:r>
+              <a:rPr lang="zh-CN" altLang="en-US" dirty="0"/>
+              <a:t>问题：</a:t>
+            </a:r>
+            <a:endParaRPr lang="en-US" dirty="0"/>
+          </a:p>
+        </p:txBody>
+      </p:sp>
+      <p:sp>
+        <p:nvSpPr>
+          <p:cNvPr id="3" name="Rectangle 2">
+            <a:extLst>
+              <a:ext uri="{FF2B5EF4-FFF2-40B4-BE49-F238E27FC236}">
+                <a16:creationId xmlns:a16="http://schemas.microsoft.com/office/drawing/2014/main" id="{A069E756-950A-4BE8-B0A1-AEC5F7261758}"/>
+              </a:ext>
+            </a:extLst>
+          </p:cNvPr>
+          <p:cNvSpPr/>
+          <p:nvPr/>
+        </p:nvSpPr>
+        <p:spPr>
+          <a:xfrm>
+            <a:off x="838200" y="2136339"/>
+            <a:ext cx="4800600" cy="4031873"/>
+          </a:xfrm>
+          <a:prstGeom prst="rect">
+            <a:avLst/>
+          </a:prstGeom>
+        </p:spPr>
+        <p:txBody>
+          <a:bodyPr wrap="square">
+            <a:spAutoFit/>
+          </a:bodyPr>
+          <a:lstStyle/>
+          <a:p>
+            <a:r>
+              <a:rPr lang="en-US" sz="1600" dirty="0" err="1"/>
+              <a:t>愿望是良好的，但是在实践中有下面问题</a:t>
+            </a:r>
+            <a:r>
+              <a:rPr lang="en-US" sz="1600" dirty="0"/>
+              <a:t>：	</a:t>
+            </a:r>
+          </a:p>
+          <a:p>
+            <a:r>
+              <a:rPr lang="en-US" sz="1600" dirty="0"/>
+              <a:t>1） </a:t>
+            </a:r>
+            <a:r>
+              <a:rPr lang="en-US" sz="1600" dirty="0" err="1"/>
+              <a:t>没有测试，就没有人给第一时间的反馈，特别是各种非主流配置下的非主流使用场景。例如</a:t>
+            </a:r>
+            <a:r>
+              <a:rPr lang="en-US" sz="1600" dirty="0"/>
+              <a:t>， 我们想测试各个模块如何处理闰年的</a:t>
+            </a:r>
+            <a:r>
+              <a:rPr lang="en-US" altLang="zh-CN" sz="1600" dirty="0"/>
+              <a:t>2</a:t>
+            </a:r>
+            <a:r>
+              <a:rPr lang="en-US" sz="1600" dirty="0"/>
+              <a:t>月 29号（</a:t>
+            </a:r>
+            <a:r>
+              <a:rPr lang="zh-CN" altLang="en-US" sz="1600" dirty="0"/>
+              <a:t>或者</a:t>
+            </a:r>
+            <a:r>
+              <a:rPr lang="en-US" sz="1600" dirty="0" err="1"/>
+              <a:t>闰年的最后一天</a:t>
+            </a:r>
+            <a:r>
+              <a:rPr lang="en-US" sz="1600" dirty="0"/>
+              <a:t>），</a:t>
+            </a:r>
+            <a:r>
+              <a:rPr lang="en-US" sz="1600" dirty="0" err="1"/>
+              <a:t>我们要等到实际闰年的时候</a:t>
+            </a:r>
+            <a:r>
+              <a:rPr lang="en-US" sz="1600" dirty="0"/>
+              <a:t>， </a:t>
+            </a:r>
+            <a:r>
+              <a:rPr lang="en-US" sz="1600" dirty="0" err="1"/>
+              <a:t>才能让用户帮我们测试么</a:t>
+            </a:r>
+            <a:r>
+              <a:rPr lang="en-US" sz="1600" dirty="0"/>
+              <a:t>？	</a:t>
+            </a:r>
+          </a:p>
+          <a:p>
+            <a:r>
+              <a:rPr lang="en-US" sz="1600" dirty="0"/>
+              <a:t>2） </a:t>
+            </a:r>
+            <a:r>
+              <a:rPr lang="en-US" sz="1600" dirty="0" err="1"/>
+              <a:t>严格的时间标准听起来很好，但是这个时间是某个版本在某个目标用户手上的时间，这些目标</a:t>
+            </a:r>
+            <a:r>
+              <a:rPr lang="en-US" sz="1600" dirty="0"/>
+              <a:t> </a:t>
+            </a:r>
+            <a:r>
+              <a:rPr lang="en-US" sz="1600" dirty="0" err="1"/>
+              <a:t>用户都有自己的日常工作要求，不会像测试人员那样去全面和深入测试，更没有任何动力去整天</a:t>
+            </a:r>
+            <a:r>
+              <a:rPr lang="en-US" sz="1600" dirty="0"/>
+              <a:t> </a:t>
+            </a:r>
+            <a:r>
+              <a:rPr lang="en-US" sz="1600" dirty="0" err="1"/>
+              <a:t>测试</a:t>
+            </a:r>
+            <a:r>
+              <a:rPr lang="en-US" sz="1600" dirty="0"/>
+              <a:t>。 </a:t>
+            </a:r>
+          </a:p>
+          <a:p>
+            <a:pPr marL="342900" indent="-342900">
+              <a:buAutoNum type="arabicParenR" startAt="3"/>
+            </a:pPr>
+            <a:r>
+              <a:rPr lang="zh-CN" altLang="en-US" sz="1600" dirty="0"/>
+              <a:t>如果有专职测试，他们就可以在较短时间内完整测试，给出有信心的 “</a:t>
+            </a:r>
+            <a:r>
+              <a:rPr lang="en-US" altLang="zh-CN" sz="1600" dirty="0"/>
+              <a:t>go/no go" </a:t>
+            </a:r>
+            <a:r>
+              <a:rPr lang="zh-CN" altLang="en-US" sz="1600" dirty="0"/>
+              <a:t>判断。而不是 要等一帮</a:t>
+            </a:r>
+            <a:r>
+              <a:rPr lang="en-US" altLang="zh-CN" sz="1600" dirty="0"/>
+              <a:t>dogfood </a:t>
+            </a:r>
+            <a:r>
+              <a:rPr lang="zh-CN" altLang="en-US" sz="1600" dirty="0"/>
+              <a:t>用户</a:t>
+            </a:r>
+            <a:r>
+              <a:rPr lang="en-US" altLang="zh-CN" sz="1600" dirty="0"/>
+              <a:t>N </a:t>
+            </a:r>
+            <a:r>
+              <a:rPr lang="zh-CN" altLang="en-US" sz="1600" dirty="0"/>
+              <a:t>天的使用。这个规定比较僵化，不能处理一些比较紧急的情况，例如， 需要</a:t>
+            </a:r>
+            <a:r>
+              <a:rPr lang="en-US" altLang="zh-CN" sz="1600" dirty="0"/>
+              <a:t>3 </a:t>
+            </a:r>
+            <a:r>
+              <a:rPr lang="zh-CN" altLang="en-US" sz="1600" dirty="0"/>
+              <a:t>周就上线，但是规定要求必须走两个环，每个环要强制</a:t>
+            </a:r>
+            <a:r>
+              <a:rPr lang="en-US" altLang="zh-CN" sz="1600" dirty="0"/>
+              <a:t>4 </a:t>
+            </a:r>
+            <a:r>
+              <a:rPr lang="zh-CN" altLang="en-US" sz="1600" dirty="0"/>
+              <a:t>周的使用时间。 	</a:t>
+            </a:r>
+            <a:endParaRPr lang="en-US" altLang="zh-CN" sz="1600" dirty="0"/>
+          </a:p>
+        </p:txBody>
+      </p:sp>
+      <p:pic>
+        <p:nvPicPr>
+          <p:cNvPr id="4" name="Picture 3">
+            <a:extLst>
+              <a:ext uri="{FF2B5EF4-FFF2-40B4-BE49-F238E27FC236}">
+                <a16:creationId xmlns:a16="http://schemas.microsoft.com/office/drawing/2014/main" id="{F25FD6C3-D603-4D0E-8D80-FA28D57D496E}"/>
+              </a:ext>
+            </a:extLst>
+          </p:cNvPr>
+          <p:cNvPicPr>
+            <a:picLocks noChangeAspect="1"/>
+          </p:cNvPicPr>
+          <p:nvPr/>
+        </p:nvPicPr>
+        <p:blipFill>
+          <a:blip r:embed="rId2"/>
+          <a:stretch>
+            <a:fillRect/>
+          </a:stretch>
+        </p:blipFill>
+        <p:spPr>
+          <a:xfrm>
+            <a:off x="5715000" y="2065518"/>
+            <a:ext cx="6364857" cy="4792481"/>
+          </a:xfrm>
+          <a:prstGeom prst="rect">
+            <a:avLst/>
+          </a:prstGeom>
+        </p:spPr>
+      </p:pic>
+    </p:spTree>
+    <p:extLst>
+      <p:ext uri="{BB962C8B-B14F-4D97-AF65-F5344CB8AC3E}">
+        <p14:creationId xmlns:p14="http://schemas.microsoft.com/office/powerpoint/2010/main" val="3157467698"/>
+      </p:ext>
+    </p:extLst>
+  </p:cSld>
+  <p:clrMapOvr>
+    <a:masterClrMapping/>
+  </p:clrMapOvr>
+</p:sld>
+</file>
+
+<file path=ppt/slides/slide34.xml><?xml version="1.0" encoding="utf-8"?>
+<p:sld xmlns:a="http://schemas.openxmlformats.org/drawingml/2006/main" xmlns:r="http://schemas.openxmlformats.org/officeDocument/2006/relationships" xmlns:p="http://schemas.openxmlformats.org/presentationml/2006/main">
+  <p:cSld>
+    <p:spTree>
+      <p:nvGrpSpPr>
+        <p:cNvPr id="1" name=""/>
+        <p:cNvGrpSpPr/>
+        <p:nvPr/>
+      </p:nvGrpSpPr>
+      <p:grpSpPr>
+        <a:xfrm>
+          <a:off x="0" y="0"/>
+          <a:ext cx="0" cy="0"/>
+          <a:chOff x="0" y="0"/>
+          <a:chExt cx="0" cy="0"/>
+        </a:xfrm>
+      </p:grpSpPr>
+      <p:sp>
+        <p:nvSpPr>
+          <p:cNvPr id="2" name="Title 1">
+            <a:extLst>
+              <a:ext uri="{FF2B5EF4-FFF2-40B4-BE49-F238E27FC236}">
+                <a16:creationId xmlns:a16="http://schemas.microsoft.com/office/drawing/2014/main" id="{736BCFA2-56D0-4A83-9417-4E72101680CE}"/>
+              </a:ext>
+            </a:extLst>
+          </p:cNvPr>
+          <p:cNvSpPr>
+            <a:spLocks noGrp="1"/>
+          </p:cNvSpPr>
+          <p:nvPr>
+            <p:ph type="title"/>
+          </p:nvPr>
+        </p:nvSpPr>
+        <p:spPr/>
+        <p:txBody>
+          <a:bodyPr/>
+          <a:lstStyle/>
+          <a:p>
+            <a:r>
+              <a:rPr lang="zh-CN" altLang="en-US" dirty="0"/>
+              <a:t>问题（续）</a:t>
+            </a:r>
+            <a:endParaRPr lang="en-US" dirty="0"/>
+          </a:p>
+        </p:txBody>
+      </p:sp>
+      <p:sp>
+        <p:nvSpPr>
+          <p:cNvPr id="3" name="Rectangle 2">
+            <a:extLst>
+              <a:ext uri="{FF2B5EF4-FFF2-40B4-BE49-F238E27FC236}">
+                <a16:creationId xmlns:a16="http://schemas.microsoft.com/office/drawing/2014/main" id="{3D40BC5F-469A-4A34-874A-5DEB547301B0}"/>
+              </a:ext>
+            </a:extLst>
+          </p:cNvPr>
+          <p:cNvSpPr/>
+          <p:nvPr/>
+        </p:nvSpPr>
+        <p:spPr>
+          <a:xfrm>
+            <a:off x="852518" y="1524000"/>
+            <a:ext cx="10425081" cy="3139321"/>
+          </a:xfrm>
+          <a:prstGeom prst="rect">
+            <a:avLst/>
+          </a:prstGeom>
+        </p:spPr>
+        <p:txBody>
+          <a:bodyPr wrap="square">
+            <a:spAutoFit/>
+          </a:bodyPr>
+          <a:lstStyle/>
+          <a:p>
+            <a:r>
+              <a:rPr lang="en-US" dirty="0"/>
+              <a:t>4）用户报告的Bug </a:t>
+            </a:r>
+            <a:r>
+              <a:rPr lang="en-US" dirty="0" err="1"/>
+              <a:t>很多</a:t>
+            </a:r>
+            <a:r>
+              <a:rPr lang="en-US" dirty="0"/>
+              <a:t>， </a:t>
+            </a:r>
+            <a:r>
+              <a:rPr lang="en-US" dirty="0" err="1"/>
+              <a:t>很多开发人员在自己的机器上试了一试，发现无法重现，于是就标上</a:t>
+            </a:r>
+            <a:r>
+              <a:rPr lang="en-US" dirty="0"/>
+              <a:t> “</a:t>
+            </a:r>
+            <a:r>
+              <a:rPr lang="en-US" dirty="0" err="1"/>
+              <a:t>无法重现</a:t>
+            </a:r>
+            <a:r>
+              <a:rPr lang="en-US" dirty="0"/>
+              <a:t>”(not reproducible)，</a:t>
+            </a:r>
+            <a:r>
+              <a:rPr lang="en-US" dirty="0" err="1"/>
+              <a:t>就把这个Bug</a:t>
+            </a:r>
+            <a:r>
+              <a:rPr lang="en-US" dirty="0"/>
+              <a:t> </a:t>
+            </a:r>
+            <a:r>
+              <a:rPr lang="en-US" dirty="0" err="1"/>
+              <a:t>关闭了。岂不知这个在用户的环境中是的确发生了</a:t>
+            </a:r>
+            <a:r>
+              <a:rPr lang="en-US" dirty="0"/>
+              <a:t> </a:t>
+            </a:r>
+            <a:r>
+              <a:rPr lang="en-US" dirty="0" err="1"/>
+              <a:t>的！但是没有专业测试团队试图重现这个环境，开发人员只有有限的配置（而且从处理器，内存</a:t>
+            </a:r>
+            <a:r>
+              <a:rPr lang="en-US" dirty="0"/>
+              <a:t>， </a:t>
+            </a:r>
+            <a:r>
+              <a:rPr lang="en-US" dirty="0" err="1"/>
+              <a:t>网速，都是高端，干净的配置</a:t>
+            </a:r>
+            <a:r>
+              <a:rPr lang="en-US" dirty="0"/>
+              <a:t>），</a:t>
+            </a:r>
+            <a:r>
+              <a:rPr lang="en-US" dirty="0" err="1"/>
+              <a:t>也没有精力和动力去找到如何能重现这个Bug的环境</a:t>
+            </a:r>
+            <a:r>
+              <a:rPr lang="en-US" dirty="0"/>
+              <a:t>。	“</a:t>
+            </a:r>
+            <a:r>
+              <a:rPr lang="en-US" dirty="0" err="1"/>
+              <a:t>快速重现用户报过的Bug”这是专业测试人员的价值所在。没有测试人员之后，开发人员并没有</a:t>
+            </a:r>
+            <a:r>
+              <a:rPr lang="en-US" dirty="0"/>
+              <a:t> </a:t>
+            </a:r>
+            <a:r>
+              <a:rPr lang="en-US" dirty="0" err="1"/>
+              <a:t>负责这个新的任务，他们的主要目标还是“快速开发功能</a:t>
+            </a:r>
+            <a:r>
+              <a:rPr lang="en-US" dirty="0"/>
+              <a:t>”。 </a:t>
+            </a:r>
+          </a:p>
+          <a:p>
+            <a:endParaRPr lang="en-US" dirty="0"/>
+          </a:p>
+          <a:p>
+            <a:r>
+              <a:rPr lang="en-US" altLang="zh-CN" dirty="0"/>
+              <a:t>5</a:t>
+            </a:r>
+            <a:r>
+              <a:rPr lang="en-US" dirty="0"/>
+              <a:t>） </a:t>
+            </a:r>
+            <a:r>
+              <a:rPr lang="en-US" dirty="0" err="1"/>
+              <a:t>针对这些</a:t>
+            </a:r>
+            <a:r>
+              <a:rPr lang="en-US" dirty="0"/>
+              <a:t> </a:t>
+            </a:r>
+            <a:r>
+              <a:rPr lang="en-US" dirty="0" err="1"/>
+              <a:t>Bug的修复也要一级一级地发出去，增加很多成本</a:t>
+            </a:r>
+            <a:r>
+              <a:rPr lang="en-US" dirty="0"/>
+              <a:t>。	</a:t>
+            </a:r>
+          </a:p>
+          <a:p>
+            <a:endParaRPr lang="en-US" dirty="0"/>
+          </a:p>
+          <a:p>
+            <a:r>
+              <a:rPr lang="en-US" dirty="0"/>
+              <a:t>6） </a:t>
+            </a:r>
+            <a:r>
+              <a:rPr lang="en-US" dirty="0" err="1"/>
+              <a:t>质量控制的核心是：尽早，高效地找到Bug，一个专职的测试团队就能做到这些。全部依赖于</a:t>
+            </a:r>
+            <a:r>
+              <a:rPr lang="en-US" dirty="0"/>
+              <a:t> </a:t>
+            </a:r>
+            <a:r>
+              <a:rPr lang="en-US" dirty="0" err="1"/>
+              <a:t>社区，会出现很多副作用。还是那句话，没有责任，就没有质量</a:t>
+            </a:r>
+            <a:r>
+              <a:rPr lang="en-US" dirty="0"/>
+              <a:t>。 </a:t>
+            </a:r>
+          </a:p>
+        </p:txBody>
+      </p:sp>
+    </p:spTree>
+    <p:extLst>
+      <p:ext uri="{BB962C8B-B14F-4D97-AF65-F5344CB8AC3E}">
+        <p14:creationId xmlns:p14="http://schemas.microsoft.com/office/powerpoint/2010/main" val="2709888784"/>
+      </p:ext>
+    </p:extLst>
+  </p:cSld>
+  <p:clrMapOvr>
+    <a:masterClrMapping/>
+  </p:clrMapOvr>
+</p:sld>
+</file>
+
+<file path=ppt/slides/slide35.xml><?xml version="1.0" encoding="utf-8"?>
+<p:sld xmlns:a="http://schemas.openxmlformats.org/drawingml/2006/main" xmlns:r="http://schemas.openxmlformats.org/officeDocument/2006/relationships" xmlns:p="http://schemas.openxmlformats.org/presentationml/2006/main">
+  <p:cSld>
+    <p:spTree>
+      <p:nvGrpSpPr>
+        <p:cNvPr id="1" name=""/>
+        <p:cNvGrpSpPr/>
+        <p:nvPr/>
+      </p:nvGrpSpPr>
+      <p:grpSpPr>
+        <a:xfrm>
+          <a:off x="0" y="0"/>
+          <a:ext cx="0" cy="0"/>
+          <a:chOff x="0" y="0"/>
+          <a:chExt cx="0" cy="0"/>
+        </a:xfrm>
+      </p:grpSpPr>
+      <p:sp>
+        <p:nvSpPr>
+          <p:cNvPr id="2" name="Title 1">
+            <a:extLst>
+              <a:ext uri="{FF2B5EF4-FFF2-40B4-BE49-F238E27FC236}">
+                <a16:creationId xmlns:a16="http://schemas.microsoft.com/office/drawing/2014/main" id="{5F7D260E-D0B1-44D5-BE5C-3E4D9AC1DCF8}"/>
+              </a:ext>
+            </a:extLst>
+          </p:cNvPr>
+          <p:cNvSpPr>
+            <a:spLocks noGrp="1"/>
+          </p:cNvSpPr>
+          <p:nvPr>
+            <p:ph type="title"/>
+          </p:nvPr>
+        </p:nvSpPr>
+        <p:spPr/>
+        <p:txBody>
+          <a:bodyPr/>
+          <a:lstStyle/>
+          <a:p>
+            <a:r>
+              <a:rPr lang="zh-CN" altLang="en-US" dirty="0"/>
+              <a:t>完美的情况</a:t>
+            </a:r>
+            <a:endParaRPr lang="en-US" dirty="0"/>
+          </a:p>
+        </p:txBody>
+      </p:sp>
+      <p:sp>
+        <p:nvSpPr>
+          <p:cNvPr id="3" name="Rectangle 2">
+            <a:extLst>
+              <a:ext uri="{FF2B5EF4-FFF2-40B4-BE49-F238E27FC236}">
+                <a16:creationId xmlns:a16="http://schemas.microsoft.com/office/drawing/2014/main" id="{56732DA4-A750-4659-92AE-4E3E74EC3080}"/>
+              </a:ext>
+            </a:extLst>
+          </p:cNvPr>
+          <p:cNvSpPr/>
+          <p:nvPr/>
+        </p:nvSpPr>
+        <p:spPr>
+          <a:xfrm>
+            <a:off x="990600" y="1600200"/>
+            <a:ext cx="10287000" cy="3416320"/>
+          </a:xfrm>
+          <a:prstGeom prst="rect">
+            <a:avLst/>
+          </a:prstGeom>
+        </p:spPr>
+        <p:txBody>
+          <a:bodyPr wrap="square">
+            <a:spAutoFit/>
+          </a:bodyPr>
+          <a:lstStyle/>
+          <a:p>
+            <a:r>
+              <a:rPr lang="zh-CN" altLang="en-US" dirty="0"/>
+              <a:t>问：         </a:t>
+            </a:r>
+            <a:r>
+              <a:rPr lang="en-US" dirty="0" err="1"/>
+              <a:t>但是这样的安排，如果每一个环节都正确发挥作用，那是多美妙啊</a:t>
+            </a:r>
+            <a:r>
+              <a:rPr lang="en-US" dirty="0"/>
+              <a:t>！</a:t>
+            </a:r>
+          </a:p>
+          <a:p>
+            <a:r>
+              <a:rPr lang="en-US" dirty="0" err="1"/>
+              <a:t>阿超</a:t>
+            </a:r>
+            <a:r>
+              <a:rPr lang="en-US" dirty="0"/>
+              <a:t>：	</a:t>
+            </a:r>
+            <a:r>
+              <a:rPr lang="en-US" dirty="0" err="1"/>
+              <a:t>当然，项目管理要讲究风险管理，这么多环节中，如果有一个环节是不受这个团队控制的，这个</a:t>
+            </a:r>
+            <a:r>
+              <a:rPr lang="en-US" dirty="0"/>
+              <a:t> </a:t>
+            </a:r>
+            <a:r>
+              <a:rPr lang="en-US" dirty="0" err="1"/>
+              <a:t>环节可能会给产品质量带来很大的破坏，那还不如自己来控制</a:t>
+            </a:r>
+            <a:r>
+              <a:rPr lang="en-US" dirty="0"/>
+              <a:t>。</a:t>
+            </a:r>
+          </a:p>
+          <a:p>
+            <a:endParaRPr lang="en-US" dirty="0"/>
+          </a:p>
+          <a:p>
+            <a:r>
+              <a:rPr lang="en-US" dirty="0" err="1"/>
+              <a:t>自己控制</a:t>
+            </a:r>
+            <a:r>
+              <a:rPr lang="en-US" dirty="0"/>
+              <a:t>：	</a:t>
+            </a:r>
+          </a:p>
+          <a:p>
+            <a:r>
+              <a:rPr lang="en-US" dirty="0"/>
+              <a:t>	</a:t>
+            </a:r>
+            <a:r>
+              <a:rPr lang="en-US" dirty="0" err="1"/>
+              <a:t>开发团队</a:t>
+            </a:r>
+            <a:r>
+              <a:rPr lang="en-US" dirty="0"/>
+              <a:t>  &lt;--&gt; </a:t>
+            </a:r>
+            <a:r>
+              <a:rPr lang="en-US" dirty="0" err="1"/>
+              <a:t>测试团队</a:t>
+            </a:r>
+            <a:r>
+              <a:rPr lang="en-US" dirty="0"/>
+              <a:t>  （</a:t>
+            </a:r>
+            <a:r>
+              <a:rPr lang="en-US" dirty="0" err="1"/>
+              <a:t>测试团队可以马上提供反馈</a:t>
+            </a:r>
+            <a:r>
+              <a:rPr lang="en-US" dirty="0"/>
+              <a:t>） </a:t>
+            </a:r>
+          </a:p>
+          <a:p>
+            <a:endParaRPr lang="en-US" dirty="0"/>
+          </a:p>
+          <a:p>
+            <a:r>
+              <a:rPr lang="en-US" dirty="0" err="1"/>
+              <a:t>不受控制</a:t>
+            </a:r>
+            <a:r>
+              <a:rPr lang="en-US" dirty="0"/>
+              <a:t>：	 </a:t>
+            </a:r>
+          </a:p>
+          <a:p>
+            <a:r>
+              <a:rPr lang="en-US" dirty="0"/>
+              <a:t>	</a:t>
+            </a:r>
+            <a:r>
+              <a:rPr lang="en-US" dirty="0" err="1"/>
+              <a:t>开发团队</a:t>
+            </a:r>
+            <a:r>
+              <a:rPr lang="en-US" dirty="0"/>
+              <a:t> --&gt; </a:t>
+            </a:r>
+            <a:r>
+              <a:rPr lang="en-US" dirty="0" err="1"/>
+              <a:t>发布团队</a:t>
+            </a:r>
+            <a:r>
+              <a:rPr lang="en-US" dirty="0"/>
+              <a:t>  --&gt; </a:t>
+            </a:r>
+            <a:r>
+              <a:rPr lang="en-US" dirty="0" err="1"/>
+              <a:t>普通用户</a:t>
+            </a:r>
+            <a:r>
+              <a:rPr lang="en-US" dirty="0"/>
+              <a:t> --&gt; </a:t>
+            </a:r>
+            <a:r>
+              <a:rPr lang="en-US" dirty="0" err="1"/>
+              <a:t>通过实际使用送回反馈</a:t>
+            </a:r>
+            <a:r>
+              <a:rPr lang="en-US" dirty="0"/>
+              <a:t> </a:t>
+            </a:r>
+            <a:r>
+              <a:rPr lang="en-US" dirty="0">
+                <a:sym typeface="Wingdings" panose="05000000000000000000" pitchFamily="2" charset="2"/>
+              </a:rPr>
+              <a:t> </a:t>
+            </a:r>
+            <a:r>
+              <a:rPr lang="zh-CN" altLang="en-US" dirty="0">
+                <a:sym typeface="Wingdings" panose="05000000000000000000" pitchFamily="2" charset="2"/>
+              </a:rPr>
+              <a:t>软件工具收集并展现问题</a:t>
+            </a:r>
+            <a:endParaRPr lang="en-US" dirty="0"/>
+          </a:p>
+          <a:p>
+            <a:endParaRPr lang="en-US" dirty="0"/>
+          </a:p>
+          <a:p>
+            <a:r>
+              <a:rPr lang="en-US" dirty="0"/>
+              <a:t>（</a:t>
+            </a:r>
+            <a:r>
+              <a:rPr lang="en-US" dirty="0" err="1"/>
+              <a:t>不受自己控制的环节太多</a:t>
+            </a:r>
+            <a:r>
+              <a:rPr lang="en-US" dirty="0"/>
+              <a:t>）</a:t>
+            </a:r>
+          </a:p>
+          <a:p>
+            <a:r>
+              <a:rPr lang="en-US" dirty="0"/>
+              <a:t> </a:t>
+            </a:r>
+          </a:p>
+        </p:txBody>
+      </p:sp>
+    </p:spTree>
+    <p:extLst>
+      <p:ext uri="{BB962C8B-B14F-4D97-AF65-F5344CB8AC3E}">
+        <p14:creationId xmlns:p14="http://schemas.microsoft.com/office/powerpoint/2010/main" val="1937573180"/>
+      </p:ext>
+    </p:extLst>
+  </p:cSld>
+  <p:clrMapOvr>
+    <a:masterClrMapping/>
+  </p:clrMapOvr>
+</p:sld>
+</file>
+
+<file path=ppt/slides/slide36.xml><?xml version="1.0" encoding="utf-8"?>
+<p:sld xmlns:a="http://schemas.openxmlformats.org/drawingml/2006/main" xmlns:r="http://schemas.openxmlformats.org/officeDocument/2006/relationships" xmlns:p="http://schemas.openxmlformats.org/presentationml/2006/main">
+  <p:cSld>
+    <p:spTree>
+      <p:nvGrpSpPr>
+        <p:cNvPr id="1" name=""/>
+        <p:cNvGrpSpPr/>
+        <p:nvPr/>
+      </p:nvGrpSpPr>
+      <p:grpSpPr>
+        <a:xfrm>
+          <a:off x="0" y="0"/>
+          <a:ext cx="0" cy="0"/>
+          <a:chOff x="0" y="0"/>
+          <a:chExt cx="0" cy="0"/>
+        </a:xfrm>
+      </p:grpSpPr>
+      <p:sp>
+        <p:nvSpPr>
           <p:cNvPr id="2" name="标题 1"/>
           <p:cNvSpPr>
             <a:spLocks noGrp="1"/>
@@ -18919,10 +20038,15 @@
         <p:spPr/>
         <p:txBody>
           <a:bodyPr>
-            <a:normAutofit lnSpcReduction="10000"/>
+            <a:normAutofit fontScale="92500" lnSpcReduction="20000"/>
           </a:bodyPr>
           <a:lstStyle/>
           <a:p>
+            <a:pPr>
+              <a:lnSpc>
+                <a:spcPct val="110000"/>
+              </a:lnSpc>
+            </a:pPr>
             <a:r>
               <a:rPr lang="zh-CN" altLang="en-US" dirty="0"/>
               <a:t>程序的质量体现在软件外在功能的质量。</a:t>
@@ -18930,6 +20054,11 @@
             <a:endParaRPr lang="en-US" altLang="zh-CN" dirty="0"/>
           </a:p>
           <a:p>
+            <a:pPr>
+              <a:lnSpc>
+                <a:spcPct val="110000"/>
+              </a:lnSpc>
+            </a:pPr>
             <a:r>
               <a:rPr lang="zh-CN" altLang="en-US" dirty="0"/>
               <a:t>衡量软件的功能，</a:t>
@@ -18937,7 +20066,11 @@
             <a:endParaRPr lang="en-US" altLang="zh-CN" dirty="0"/>
           </a:p>
           <a:p>
-            <a:pPr lvl="1"/>
+            <a:pPr lvl="1">
+              <a:lnSpc>
+                <a:spcPct val="110000"/>
+              </a:lnSpc>
+            </a:pPr>
             <a:r>
               <a:rPr lang="zh-CN" altLang="en-US" dirty="0"/>
               <a:t>功能测试，基本的判断可以用“是</a:t>
@@ -18953,7 +20086,11 @@
             <a:endParaRPr lang="en-US" altLang="zh-CN" dirty="0"/>
           </a:p>
           <a:p>
-            <a:pPr lvl="2"/>
+            <a:pPr lvl="2">
+              <a:lnSpc>
+                <a:spcPct val="110000"/>
+              </a:lnSpc>
+            </a:pPr>
             <a:r>
               <a:rPr lang="zh-CN" altLang="en-US" dirty="0"/>
               <a:t>例如，一个字处理软件能否通过拷贝</a:t>
@@ -18969,7 +20106,11 @@
             <a:endParaRPr lang="en-US" altLang="zh-CN" dirty="0"/>
           </a:p>
           <a:p>
-            <a:pPr lvl="1"/>
+            <a:pPr lvl="1">
+              <a:lnSpc>
+                <a:spcPct val="110000"/>
+              </a:lnSpc>
+            </a:pPr>
             <a:r>
               <a:rPr lang="zh-CN" altLang="en-US" dirty="0"/>
               <a:t>多维度特性的综合指标来衡量，</a:t>
@@ -18977,7 +20118,11 @@
             <a:endParaRPr lang="en-US" altLang="zh-CN" dirty="0"/>
           </a:p>
           <a:p>
-            <a:pPr lvl="2"/>
+            <a:pPr lvl="2">
+              <a:lnSpc>
+                <a:spcPct val="110000"/>
+              </a:lnSpc>
+            </a:pPr>
             <a:r>
               <a:rPr lang="zh-CN" altLang="en-US" dirty="0"/>
               <a:t>例如，衡量一个搜索引擎的质量，业界通常用准确度 （</a:t>
@@ -19001,7 +20146,11 @@
             <a:endParaRPr lang="en-US" altLang="zh-CN" dirty="0"/>
           </a:p>
           <a:p>
-            <a:pPr lvl="1"/>
+            <a:pPr lvl="1">
+              <a:lnSpc>
+                <a:spcPct val="110000"/>
+              </a:lnSpc>
+            </a:pPr>
             <a:r>
               <a:rPr lang="zh-CN" altLang="en-US" dirty="0"/>
               <a:t>服务质量</a:t>
@@ -19009,7 +20158,11 @@
             <a:endParaRPr lang="en-US" altLang="zh-CN" dirty="0"/>
           </a:p>
           <a:p>
-            <a:pPr lvl="2"/>
+            <a:pPr lvl="2">
+              <a:lnSpc>
+                <a:spcPct val="110000"/>
+              </a:lnSpc>
+            </a:pPr>
             <a:r>
               <a:rPr lang="zh-CN" altLang="en-US" dirty="0"/>
               <a:t>例如， 网站显示查询结果的速度；订票网站能并发处理业务的吞吐量；支持同时在线用户的数量。</a:t>
@@ -19017,10 +20170,14 @@
             <a:endParaRPr lang="en-US" altLang="zh-CN" dirty="0"/>
           </a:p>
           <a:p>
-            <a:pPr lvl="1"/>
+            <a:pPr lvl="1">
+              <a:lnSpc>
+                <a:spcPct val="110000"/>
+              </a:lnSpc>
+            </a:pPr>
             <a:r>
               <a:rPr lang="zh-CN" altLang="en-US" dirty="0"/>
-              <a:t>程 序的质量还有其他方面，例如用户体验的质量、国际化的质量和安全性的质量。我们还可以用 其他数值来表示质量，例如第</a:t>
+              <a:t>程序的质量还有其他方面，例如用户体验的质量、国际化的质量和安全性的质量。我们还可以用 其他数值来表示质量，例如第</a:t>
             </a:r>
             <a:r>
               <a:rPr lang="en-US" altLang="zh-CN" dirty="0"/>
@@ -19040,6 +20197,11 @@
             </a:r>
           </a:p>
           <a:p>
+            <a:pPr>
+              <a:lnSpc>
+                <a:spcPct val="110000"/>
+              </a:lnSpc>
+            </a:pPr>
             <a:endParaRPr lang="en-US" dirty="0"/>
           </a:p>
         </p:txBody>
@@ -19280,7 +20442,6 @@
         <a:blipFill dpi="0" rotWithShape="1">
           <a:blip r:embed="rId2">
             <a:lum/>
-            <a:extLst/>
           </a:blip>
           <a:srcRect/>
           <a:stretch>
@@ -20109,12 +21270,6 @@
 </file>
 
 <file path=customXml/item1.xml><?xml version="1.0" encoding="utf-8"?>
-<p:properties xmlns:p="http://schemas.microsoft.com/office/2006/metadata/properties" xmlns:xsi="http://www.w3.org/2001/XMLSchema-instance" xmlns:pc="http://schemas.microsoft.com/office/infopath/2007/PartnerControls">
-  <documentManagement/>
-</p:properties>
-</file>
-
-<file path=customXml/item2.xml><?xml version="1.0" encoding="utf-8"?>
 <?mso-contentType ?>
 <FormTemplates xmlns="http://schemas.microsoft.com/sharepoint/v3/contenttype/forms">
   <Display>DocumentLibraryForm</Display>
@@ -20123,7 +21278,7 @@
 </FormTemplates>
 </file>
 
-<file path=customXml/item3.xml><?xml version="1.0" encoding="utf-8"?>
+<file path=customXml/item2.xml><?xml version="1.0" encoding="utf-8"?>
 <ct:contentTypeSchema xmlns:ct="http://schemas.microsoft.com/office/2006/metadata/contentType" xmlns:ma="http://schemas.microsoft.com/office/2006/metadata/properties/metaAttributes" ct:_="" ma:_="" ma:contentTypeName="Document" ma:contentTypeID="0x0101006371182FA640024E8A2815D490E1EF25" ma:contentTypeVersion="0" ma:contentTypeDescription="Create a new document." ma:contentTypeScope="" ma:versionID="3591aab47f172a2900f307f59d422227">
   <xsd:schema xmlns:xsd="http://www.w3.org/2001/XMLSchema" xmlns:xs="http://www.w3.org/2001/XMLSchema" xmlns:p="http://schemas.microsoft.com/office/2006/metadata/properties" targetNamespace="http://schemas.microsoft.com/office/2006/metadata/properties" ma:root="true" ma:fieldsID="1f28ea01430cdfb20a10736313f817e3">
     <xsd:element name="properties">
@@ -20237,16 +21392,13 @@
 </ct:contentTypeSchema>
 </file>
 
-<file path=customXml/itemProps1.xml><?xml version="1.0" encoding="utf-8"?>
-<ds:datastoreItem xmlns:ds="http://schemas.openxmlformats.org/officeDocument/2006/customXml" ds:itemID="{9AC1766B-B3F5-4F42-8D20-7E7B2DE9B786}">
-  <ds:schemaRefs>
-    <ds:schemaRef ds:uri="http://schemas.microsoft.com/office/2006/metadata/properties"/>
-    <ds:schemaRef ds:uri="http://schemas.microsoft.com/office/infopath/2007/PartnerControls"/>
-  </ds:schemaRefs>
-</ds:datastoreItem>
+<file path=customXml/item3.xml><?xml version="1.0" encoding="utf-8"?>
+<p:properties xmlns:p="http://schemas.microsoft.com/office/2006/metadata/properties" xmlns:xsi="http://www.w3.org/2001/XMLSchema-instance" xmlns:pc="http://schemas.microsoft.com/office/infopath/2007/PartnerControls">
+  <documentManagement/>
+</p:properties>
 </file>
 
-<file path=customXml/itemProps2.xml><?xml version="1.0" encoding="utf-8"?>
+<file path=customXml/itemProps1.xml><?xml version="1.0" encoding="utf-8"?>
 <ds:datastoreItem xmlns:ds="http://schemas.openxmlformats.org/officeDocument/2006/customXml" ds:itemID="{5E60DA82-F298-4C61-A5B5-247E3F9E524D}">
   <ds:schemaRefs>
     <ds:schemaRef ds:uri="http://schemas.microsoft.com/sharepoint/v3/contenttype/forms"/>
@@ -20254,7 +21406,7 @@
 </ds:datastoreItem>
 </file>
 
-<file path=customXml/itemProps3.xml><?xml version="1.0" encoding="utf-8"?>
+<file path=customXml/itemProps2.xml><?xml version="1.0" encoding="utf-8"?>
 <ds:datastoreItem xmlns:ds="http://schemas.openxmlformats.org/officeDocument/2006/customXml" ds:itemID="{B140E8CF-1284-42B5-AE63-5DAA305DEF64}">
   <ds:schemaRefs>
     <ds:schemaRef ds:uri="http://schemas.microsoft.com/office/2006/metadata/contentType"/>
@@ -20268,4 +21420,13 @@
     <ds:schemaRef ds:uri="http://schemas.microsoft.com/office/infopath/2007/PartnerControls"/>
   </ds:schemaRefs>
 </ds:datastoreItem>
+</file>
+
+<file path=customXml/itemProps3.xml><?xml version="1.0" encoding="utf-8"?>
+<ds:datastoreItem xmlns:ds="http://schemas.openxmlformats.org/officeDocument/2006/customXml" ds:itemID="{9AC1766B-B3F5-4F42-8D20-7E7B2DE9B786}">
+  <ds:schemaRefs>
+    <ds:schemaRef ds:uri="http://schemas.microsoft.com/office/2006/metadata/properties"/>
+    <ds:schemaRef ds:uri="http://schemas.microsoft.com/office/infopath/2007/PartnerControls"/>
+  </ds:schemaRefs>
+</ds:datastoreItem>
 </file>